--- a/Doors.pptx
+++ b/Doors.pptx
@@ -6,11 +6,13 @@
   </p:sldMasterIdLst>
   <p:sldIdLst>
     <p:sldId id="256" r:id="rId2"/>
-    <p:sldId id="257" r:id="rId3"/>
-    <p:sldId id="259" r:id="rId4"/>
-    <p:sldId id="258" r:id="rId5"/>
-    <p:sldId id="260" r:id="rId6"/>
-    <p:sldId id="261" r:id="rId7"/>
+    <p:sldId id="262" r:id="rId3"/>
+    <p:sldId id="257" r:id="rId4"/>
+    <p:sldId id="263" r:id="rId5"/>
+    <p:sldId id="259" r:id="rId6"/>
+    <p:sldId id="258" r:id="rId7"/>
+    <p:sldId id="260" r:id="rId8"/>
+    <p:sldId id="261" r:id="rId9"/>
   </p:sldIdLst>
   <p:sldSz cx="12192000" cy="6858000"/>
   <p:notesSz cx="6858000" cy="9144000"/>
@@ -3090,6 +3092,129 @@
         </p:nvGrpSpPr>
         <p:grpSpPr>
           <a:xfrm>
+            <a:off x="639118" y="693548"/>
+            <a:ext cx="6103937" cy="5924228"/>
+            <a:chOff x="639118" y="693548"/>
+            <a:chExt cx="6103937" cy="5924228"/>
+          </a:xfrm>
+        </p:grpSpPr>
+        <p:pic>
+          <p:nvPicPr>
+            <p:cNvPr id="5" name="Graphic 4" descr="Door Open with solid fill">
+              <a:extLst>
+                <a:ext uri="{FF2B5EF4-FFF2-40B4-BE49-F238E27FC236}">
+                  <a16:creationId xmlns:a16="http://schemas.microsoft.com/office/drawing/2014/main" id="{740F6478-732D-90FE-B035-6D3BEA28D1F5}"/>
+                </a:ext>
+              </a:extLst>
+            </p:cNvPr>
+            <p:cNvPicPr>
+              <a:picLocks noChangeAspect="1"/>
+            </p:cNvPicPr>
+            <p:nvPr/>
+          </p:nvPicPr>
+          <p:blipFill>
+            <a:blip r:embed="rId2">
+              <a:extLst>
+                <a:ext uri="{96DAC541-7B7A-43D3-8B79-37D633B846F1}">
+                  <asvg:svgBlip xmlns:asvg="http://schemas.microsoft.com/office/drawing/2016/SVG/main" r:embed="rId3"/>
+                </a:ext>
+              </a:extLst>
+            </a:blip>
+            <a:stretch>
+              <a:fillRect/>
+            </a:stretch>
+          </p:blipFill>
+          <p:spPr>
+            <a:xfrm>
+              <a:off x="818827" y="693548"/>
+              <a:ext cx="5924228" cy="5924228"/>
+            </a:xfrm>
+            <a:prstGeom prst="rect">
+              <a:avLst/>
+            </a:prstGeom>
+          </p:spPr>
+        </p:pic>
+        <p:pic>
+          <p:nvPicPr>
+            <p:cNvPr id="9" name="Graphic 8" descr="Caret Left with solid fill">
+              <a:extLst>
+                <a:ext uri="{FF2B5EF4-FFF2-40B4-BE49-F238E27FC236}">
+                  <a16:creationId xmlns:a16="http://schemas.microsoft.com/office/drawing/2014/main" id="{348A77C8-15DB-D3A8-EA1F-7BB241E3BA46}"/>
+                </a:ext>
+              </a:extLst>
+            </p:cNvPr>
+            <p:cNvPicPr>
+              <a:picLocks noChangeAspect="1"/>
+            </p:cNvPicPr>
+            <p:nvPr/>
+          </p:nvPicPr>
+          <p:blipFill>
+            <a:blip r:embed="rId4">
+              <a:extLst>
+                <a:ext uri="{96DAC541-7B7A-43D3-8B79-37D633B846F1}">
+                  <asvg:svgBlip xmlns:asvg="http://schemas.microsoft.com/office/drawing/2016/SVG/main" r:embed="rId5"/>
+                </a:ext>
+              </a:extLst>
+            </a:blip>
+            <a:stretch>
+              <a:fillRect/>
+            </a:stretch>
+          </p:blipFill>
+          <p:spPr>
+            <a:xfrm>
+              <a:off x="639118" y="2477790"/>
+              <a:ext cx="1902419" cy="1902419"/>
+            </a:xfrm>
+            <a:prstGeom prst="rect">
+              <a:avLst/>
+            </a:prstGeom>
+          </p:spPr>
+        </p:pic>
+      </p:grpSp>
+    </p:spTree>
+    <p:extLst>
+      <p:ext uri="{BB962C8B-B14F-4D97-AF65-F5344CB8AC3E}">
+        <p14:creationId xmlns:p14="http://schemas.microsoft.com/office/powerpoint/2010/main" val="731733056"/>
+      </p:ext>
+    </p:extLst>
+  </p:cSld>
+  <p:clrMapOvr>
+    <a:masterClrMapping/>
+  </p:clrMapOvr>
+</p:sld>
+</file>
+
+<file path=ppt/slides/slide3.xml><?xml version="1.0" encoding="utf-8"?>
+<p:sld xmlns:a="http://schemas.openxmlformats.org/drawingml/2006/main" xmlns:r="http://schemas.openxmlformats.org/officeDocument/2006/relationships" xmlns:p="http://schemas.openxmlformats.org/presentationml/2006/main">
+  <p:cSld>
+    <p:spTree>
+      <p:nvGrpSpPr>
+        <p:cNvPr id="1" name=""/>
+        <p:cNvGrpSpPr/>
+        <p:nvPr/>
+      </p:nvGrpSpPr>
+      <p:grpSpPr>
+        <a:xfrm>
+          <a:off x="0" y="0"/>
+          <a:ext cx="0" cy="0"/>
+          <a:chOff x="0" y="0"/>
+          <a:chExt cx="0" cy="0"/>
+        </a:xfrm>
+      </p:grpSpPr>
+      <p:grpSp>
+        <p:nvGrpSpPr>
+          <p:cNvPr id="10" name="Group 9">
+            <a:extLst>
+              <a:ext uri="{FF2B5EF4-FFF2-40B4-BE49-F238E27FC236}">
+                <a16:creationId xmlns:a16="http://schemas.microsoft.com/office/drawing/2014/main" id="{9D3CCDB7-1F5B-0A1B-2FFE-C4C3089A9CB3}"/>
+              </a:ext>
+            </a:extLst>
+          </p:cNvPr>
+          <p:cNvGrpSpPr/>
+          <p:nvPr/>
+        </p:nvGrpSpPr>
+        <p:grpSpPr>
+          <a:xfrm>
             <a:off x="818827" y="693548"/>
             <a:ext cx="6228382" cy="5924228"/>
             <a:chOff x="818827" y="693548"/>
@@ -3222,7 +3347,130 @@
 </p:sld>
 </file>
 
-<file path=ppt/slides/slide3.xml><?xml version="1.0" encoding="utf-8"?>
+<file path=ppt/slides/slide4.xml><?xml version="1.0" encoding="utf-8"?>
+<p:sld xmlns:a="http://schemas.openxmlformats.org/drawingml/2006/main" xmlns:r="http://schemas.openxmlformats.org/officeDocument/2006/relationships" xmlns:p="http://schemas.openxmlformats.org/presentationml/2006/main">
+  <p:cSld>
+    <p:spTree>
+      <p:nvGrpSpPr>
+        <p:cNvPr id="1" name=""/>
+        <p:cNvGrpSpPr/>
+        <p:nvPr/>
+      </p:nvGrpSpPr>
+      <p:grpSpPr>
+        <a:xfrm>
+          <a:off x="0" y="0"/>
+          <a:ext cx="0" cy="0"/>
+          <a:chOff x="0" y="0"/>
+          <a:chExt cx="0" cy="0"/>
+        </a:xfrm>
+      </p:grpSpPr>
+      <p:grpSp>
+        <p:nvGrpSpPr>
+          <p:cNvPr id="10" name="Group 9">
+            <a:extLst>
+              <a:ext uri="{FF2B5EF4-FFF2-40B4-BE49-F238E27FC236}">
+                <a16:creationId xmlns:a16="http://schemas.microsoft.com/office/drawing/2014/main" id="{9D3CCDB7-1F5B-0A1B-2FFE-C4C3089A9CB3}"/>
+              </a:ext>
+            </a:extLst>
+          </p:cNvPr>
+          <p:cNvGrpSpPr/>
+          <p:nvPr/>
+        </p:nvGrpSpPr>
+        <p:grpSpPr>
+          <a:xfrm>
+            <a:off x="818827" y="693548"/>
+            <a:ext cx="6228382" cy="5924228"/>
+            <a:chOff x="818827" y="693548"/>
+            <a:chExt cx="6228382" cy="5924228"/>
+          </a:xfrm>
+        </p:grpSpPr>
+        <p:pic>
+          <p:nvPicPr>
+            <p:cNvPr id="5" name="Graphic 4" descr="Door Open with solid fill">
+              <a:extLst>
+                <a:ext uri="{FF2B5EF4-FFF2-40B4-BE49-F238E27FC236}">
+                  <a16:creationId xmlns:a16="http://schemas.microsoft.com/office/drawing/2014/main" id="{740F6478-732D-90FE-B035-6D3BEA28D1F5}"/>
+                </a:ext>
+              </a:extLst>
+            </p:cNvPr>
+            <p:cNvPicPr>
+              <a:picLocks noChangeAspect="1"/>
+            </p:cNvPicPr>
+            <p:nvPr/>
+          </p:nvPicPr>
+          <p:blipFill>
+            <a:blip r:embed="rId2">
+              <a:extLst>
+                <a:ext uri="{96DAC541-7B7A-43D3-8B79-37D633B846F1}">
+                  <asvg:svgBlip xmlns:asvg="http://schemas.microsoft.com/office/drawing/2016/SVG/main" r:embed="rId3"/>
+                </a:ext>
+              </a:extLst>
+            </a:blip>
+            <a:stretch>
+              <a:fillRect/>
+            </a:stretch>
+          </p:blipFill>
+          <p:spPr>
+            <a:xfrm flipH="1">
+              <a:off x="818827" y="693548"/>
+              <a:ext cx="5924228" cy="5924228"/>
+            </a:xfrm>
+            <a:prstGeom prst="rect">
+              <a:avLst/>
+            </a:prstGeom>
+          </p:spPr>
+        </p:pic>
+        <p:pic>
+          <p:nvPicPr>
+            <p:cNvPr id="9" name="Graphic 8" descr="Caret Left with solid fill">
+              <a:extLst>
+                <a:ext uri="{FF2B5EF4-FFF2-40B4-BE49-F238E27FC236}">
+                  <a16:creationId xmlns:a16="http://schemas.microsoft.com/office/drawing/2014/main" id="{348A77C8-15DB-D3A8-EA1F-7BB241E3BA46}"/>
+                </a:ext>
+              </a:extLst>
+            </p:cNvPr>
+            <p:cNvPicPr>
+              <a:picLocks noChangeAspect="1"/>
+            </p:cNvPicPr>
+            <p:nvPr/>
+          </p:nvPicPr>
+          <p:blipFill>
+            <a:blip r:embed="rId4">
+              <a:extLst>
+                <a:ext uri="{96DAC541-7B7A-43D3-8B79-37D633B846F1}">
+                  <asvg:svgBlip xmlns:asvg="http://schemas.microsoft.com/office/drawing/2016/SVG/main" r:embed="rId5"/>
+                </a:ext>
+              </a:extLst>
+            </a:blip>
+            <a:stretch>
+              <a:fillRect/>
+            </a:stretch>
+          </p:blipFill>
+          <p:spPr>
+            <a:xfrm flipH="1">
+              <a:off x="5144790" y="2477790"/>
+              <a:ext cx="1902419" cy="1902419"/>
+            </a:xfrm>
+            <a:prstGeom prst="rect">
+              <a:avLst/>
+            </a:prstGeom>
+          </p:spPr>
+        </p:pic>
+      </p:grpSp>
+    </p:spTree>
+    <p:extLst>
+      <p:ext uri="{BB962C8B-B14F-4D97-AF65-F5344CB8AC3E}">
+        <p14:creationId xmlns:p14="http://schemas.microsoft.com/office/powerpoint/2010/main" val="727526392"/>
+      </p:ext>
+    </p:extLst>
+  </p:cSld>
+  <p:clrMapOvr>
+    <a:masterClrMapping/>
+  </p:clrMapOvr>
+</p:sld>
+</file>
+
+<file path=ppt/slides/slide5.xml><?xml version="1.0" encoding="utf-8"?>
 <p:sld xmlns:a="http://schemas.openxmlformats.org/drawingml/2006/main" xmlns:r="http://schemas.openxmlformats.org/officeDocument/2006/relationships" xmlns:p="http://schemas.openxmlformats.org/presentationml/2006/main">
   <p:cSld>
     <p:spTree>
@@ -3385,7 +3633,7 @@
 </p:sld>
 </file>
 
-<file path=ppt/slides/slide4.xml><?xml version="1.0" encoding="utf-8"?>
+<file path=ppt/slides/slide6.xml><?xml version="1.0" encoding="utf-8"?>
 <p:sld xmlns:a="http://schemas.openxmlformats.org/drawingml/2006/main" xmlns:r="http://schemas.openxmlformats.org/officeDocument/2006/relationships" xmlns:p="http://schemas.openxmlformats.org/presentationml/2006/main">
   <p:cSld>
     <p:spTree>
@@ -3548,7 +3796,7 @@
 </p:sld>
 </file>
 
-<file path=ppt/slides/slide5.xml><?xml version="1.0" encoding="utf-8"?>
+<file path=ppt/slides/slide7.xml><?xml version="1.0" encoding="utf-8"?>
 <p:sld xmlns:a="http://schemas.openxmlformats.org/drawingml/2006/main" xmlns:r="http://schemas.openxmlformats.org/officeDocument/2006/relationships" xmlns:p="http://schemas.openxmlformats.org/presentationml/2006/main">
   <p:cSld>
     <p:spTree>
@@ -3655,9 +3903,17 @@
 </p:sld>
 </file>
 
-<file path=ppt/slides/slide6.xml><?xml version="1.0" encoding="utf-8"?>
+<file path=ppt/slides/slide8.xml><?xml version="1.0" encoding="utf-8"?>
 <p:sld xmlns:a="http://schemas.openxmlformats.org/drawingml/2006/main" xmlns:r="http://schemas.openxmlformats.org/officeDocument/2006/relationships" xmlns:p="http://schemas.openxmlformats.org/presentationml/2006/main">
   <p:cSld>
+    <p:bg>
+      <p:bgPr>
+        <a:solidFill>
+          <a:schemeClr val="bg1"/>
+        </a:solidFill>
+        <a:effectLst/>
+      </p:bgPr>
+    </p:bg>
     <p:spTree>
       <p:nvGrpSpPr>
         <p:cNvPr id="1" name=""/>
@@ -3672,6 +3928,42 @@
           <a:chExt cx="0" cy="0"/>
         </a:xfrm>
       </p:grpSpPr>
+      <p:pic>
+        <p:nvPicPr>
+          <p:cNvPr id="13" name="Graphic 12" descr="Marker with solid fill">
+            <a:extLst>
+              <a:ext uri="{FF2B5EF4-FFF2-40B4-BE49-F238E27FC236}">
+                <a16:creationId xmlns:a16="http://schemas.microsoft.com/office/drawing/2014/main" id="{68749BB5-D0F8-36F0-7181-35FC70AC0211}"/>
+              </a:ext>
+            </a:extLst>
+          </p:cNvPr>
+          <p:cNvPicPr>
+            <a:picLocks noChangeAspect="1"/>
+          </p:cNvPicPr>
+          <p:nvPr/>
+        </p:nvPicPr>
+        <p:blipFill>
+          <a:blip r:embed="rId2">
+            <a:extLst>
+              <a:ext uri="{96DAC541-7B7A-43D3-8B79-37D633B846F1}">
+                <asvg:svgBlip xmlns:asvg="http://schemas.microsoft.com/office/drawing/2016/SVG/main" r:embed="rId3"/>
+              </a:ext>
+            </a:extLst>
+          </a:blip>
+          <a:stretch>
+            <a:fillRect/>
+          </a:stretch>
+        </p:blipFill>
+        <p:spPr>
+          <a:xfrm>
+            <a:off x="2209800" y="791705"/>
+            <a:ext cx="5399868" cy="5399868"/>
+          </a:xfrm>
+          <a:prstGeom prst="rect">
+            <a:avLst/>
+          </a:prstGeom>
+        </p:spPr>
+      </p:pic>
     </p:spTree>
     <p:extLst>
       <p:ext uri="{BB962C8B-B14F-4D97-AF65-F5344CB8AC3E}">
